--- a/dockerDemoWorskshop1/Docker_Workshop.pptx
+++ b/dockerDemoWorskshop1/Docker_Workshop.pptx
@@ -295,7 +295,7 @@
           <a:p>
             <a:fld id="{7E21775D-9FC4-40F3-A1D9-EB84B3638B2A}" type="datetimeFigureOut">
               <a:rPr lang="en-IN" smtClean="0"/>
-              <a:t>03-03-2024</a:t>
+              <a:t>06-03-2024</a:t>
             </a:fld>
             <a:endParaRPr lang="en-IN"/>
           </a:p>
@@ -495,7 +495,7 @@
           <a:p>
             <a:fld id="{7E21775D-9FC4-40F3-A1D9-EB84B3638B2A}" type="datetimeFigureOut">
               <a:rPr lang="en-IN" smtClean="0"/>
-              <a:t>03-03-2024</a:t>
+              <a:t>06-03-2024</a:t>
             </a:fld>
             <a:endParaRPr lang="en-IN"/>
           </a:p>
@@ -705,7 +705,7 @@
           <a:p>
             <a:fld id="{7E21775D-9FC4-40F3-A1D9-EB84B3638B2A}" type="datetimeFigureOut">
               <a:rPr lang="en-IN" smtClean="0"/>
-              <a:t>03-03-2024</a:t>
+              <a:t>06-03-2024</a:t>
             </a:fld>
             <a:endParaRPr lang="en-IN"/>
           </a:p>
@@ -905,7 +905,7 @@
           <a:p>
             <a:fld id="{7E21775D-9FC4-40F3-A1D9-EB84B3638B2A}" type="datetimeFigureOut">
               <a:rPr lang="en-IN" smtClean="0"/>
-              <a:t>03-03-2024</a:t>
+              <a:t>06-03-2024</a:t>
             </a:fld>
             <a:endParaRPr lang="en-IN"/>
           </a:p>
@@ -1181,7 +1181,7 @@
           <a:p>
             <a:fld id="{7E21775D-9FC4-40F3-A1D9-EB84B3638B2A}" type="datetimeFigureOut">
               <a:rPr lang="en-IN" smtClean="0"/>
-              <a:t>03-03-2024</a:t>
+              <a:t>06-03-2024</a:t>
             </a:fld>
             <a:endParaRPr lang="en-IN"/>
           </a:p>
@@ -1449,7 +1449,7 @@
           <a:p>
             <a:fld id="{7E21775D-9FC4-40F3-A1D9-EB84B3638B2A}" type="datetimeFigureOut">
               <a:rPr lang="en-IN" smtClean="0"/>
-              <a:t>03-03-2024</a:t>
+              <a:t>06-03-2024</a:t>
             </a:fld>
             <a:endParaRPr lang="en-IN"/>
           </a:p>
@@ -1864,7 +1864,7 @@
           <a:p>
             <a:fld id="{7E21775D-9FC4-40F3-A1D9-EB84B3638B2A}" type="datetimeFigureOut">
               <a:rPr lang="en-IN" smtClean="0"/>
-              <a:t>03-03-2024</a:t>
+              <a:t>06-03-2024</a:t>
             </a:fld>
             <a:endParaRPr lang="en-IN"/>
           </a:p>
@@ -2006,7 +2006,7 @@
           <a:p>
             <a:fld id="{7E21775D-9FC4-40F3-A1D9-EB84B3638B2A}" type="datetimeFigureOut">
               <a:rPr lang="en-IN" smtClean="0"/>
-              <a:t>03-03-2024</a:t>
+              <a:t>06-03-2024</a:t>
             </a:fld>
             <a:endParaRPr lang="en-IN"/>
           </a:p>
@@ -2119,7 +2119,7 @@
           <a:p>
             <a:fld id="{7E21775D-9FC4-40F3-A1D9-EB84B3638B2A}" type="datetimeFigureOut">
               <a:rPr lang="en-IN" smtClean="0"/>
-              <a:t>03-03-2024</a:t>
+              <a:t>06-03-2024</a:t>
             </a:fld>
             <a:endParaRPr lang="en-IN"/>
           </a:p>
@@ -2432,7 +2432,7 @@
           <a:p>
             <a:fld id="{7E21775D-9FC4-40F3-A1D9-EB84B3638B2A}" type="datetimeFigureOut">
               <a:rPr lang="en-IN" smtClean="0"/>
-              <a:t>03-03-2024</a:t>
+              <a:t>06-03-2024</a:t>
             </a:fld>
             <a:endParaRPr lang="en-IN"/>
           </a:p>
@@ -2721,7 +2721,7 @@
           <a:p>
             <a:fld id="{7E21775D-9FC4-40F3-A1D9-EB84B3638B2A}" type="datetimeFigureOut">
               <a:rPr lang="en-IN" smtClean="0"/>
-              <a:t>03-03-2024</a:t>
+              <a:t>06-03-2024</a:t>
             </a:fld>
             <a:endParaRPr lang="en-IN"/>
           </a:p>
@@ -2964,7 +2964,7 @@
           <a:p>
             <a:fld id="{7E21775D-9FC4-40F3-A1D9-EB84B3638B2A}" type="datetimeFigureOut">
               <a:rPr lang="en-IN" smtClean="0"/>
-              <a:t>03-03-2024</a:t>
+              <a:t>06-03-2024</a:t>
             </a:fld>
             <a:endParaRPr lang="en-IN"/>
           </a:p>
@@ -8086,6 +8086,18 @@
             <a:endParaRPr lang="en-IN" sz="2400" dirty="0"/>
           </a:p>
           <a:p>
+            <a:r>
+              <a:rPr lang="en-IN" sz="2400">
+                <a:hlinkClick r:id="rId7"/>
+              </a:rPr>
+              <a:t>https://www.youtube.com/watch?v=31k6AtW-b3Y</a:t>
+            </a:r>
+            <a:endParaRPr lang="en-IN" sz="2400"/>
+          </a:p>
+          <a:p>
+            <a:endParaRPr lang="en-IN" sz="2400" dirty="0"/>
+          </a:p>
+          <a:p>
             <a:endParaRPr lang="en-IN" sz="2400" dirty="0"/>
           </a:p>
           <a:p>
